--- a/slides/overview.pptx
+++ b/slides/overview.pptx
@@ -212,7 +212,7 @@
           <a:p>
             <a:fld id="{4077FBB0-2FE6-4434-B8A8-23FCC99E61C9}" type="datetimeFigureOut">
               <a:rPr lang="en-US" smtClean="0"/>
-              <a:t>3/23/2022</a:t>
+              <a:t>4/1/2022</a:t>
             </a:fld>
             <a:endParaRPr lang="en-US"/>
           </a:p>
@@ -710,7 +710,7 @@
           <a:p>
             <a:fld id="{B3EBB31A-3BFC-4298-B676-185EAAB29D4B}" type="datetimeFigureOut">
               <a:rPr lang="en-US" smtClean="0"/>
-              <a:t>3/23/2022</a:t>
+              <a:t>4/1/2022</a:t>
             </a:fld>
             <a:endParaRPr lang="en-US"/>
           </a:p>
@@ -908,7 +908,7 @@
           <a:p>
             <a:fld id="{B3EBB31A-3BFC-4298-B676-185EAAB29D4B}" type="datetimeFigureOut">
               <a:rPr lang="en-US" smtClean="0"/>
-              <a:t>3/23/2022</a:t>
+              <a:t>4/1/2022</a:t>
             </a:fld>
             <a:endParaRPr lang="en-US"/>
           </a:p>
@@ -1116,7 +1116,7 @@
           <a:p>
             <a:fld id="{B3EBB31A-3BFC-4298-B676-185EAAB29D4B}" type="datetimeFigureOut">
               <a:rPr lang="en-US" smtClean="0"/>
-              <a:t>3/23/2022</a:t>
+              <a:t>4/1/2022</a:t>
             </a:fld>
             <a:endParaRPr lang="en-US"/>
           </a:p>
@@ -1314,7 +1314,7 @@
           <a:p>
             <a:fld id="{B3EBB31A-3BFC-4298-B676-185EAAB29D4B}" type="datetimeFigureOut">
               <a:rPr lang="en-US" smtClean="0"/>
-              <a:t>3/23/2022</a:t>
+              <a:t>4/1/2022</a:t>
             </a:fld>
             <a:endParaRPr lang="en-US"/>
           </a:p>
@@ -1589,7 +1589,7 @@
           <a:p>
             <a:fld id="{B3EBB31A-3BFC-4298-B676-185EAAB29D4B}" type="datetimeFigureOut">
               <a:rPr lang="en-US" smtClean="0"/>
-              <a:t>3/23/2022</a:t>
+              <a:t>4/1/2022</a:t>
             </a:fld>
             <a:endParaRPr lang="en-US"/>
           </a:p>
@@ -1854,7 +1854,7 @@
           <a:p>
             <a:fld id="{B3EBB31A-3BFC-4298-B676-185EAAB29D4B}" type="datetimeFigureOut">
               <a:rPr lang="en-US" smtClean="0"/>
-              <a:t>3/23/2022</a:t>
+              <a:t>4/1/2022</a:t>
             </a:fld>
             <a:endParaRPr lang="en-US"/>
           </a:p>
@@ -2266,7 +2266,7 @@
           <a:p>
             <a:fld id="{B3EBB31A-3BFC-4298-B676-185EAAB29D4B}" type="datetimeFigureOut">
               <a:rPr lang="en-US" smtClean="0"/>
-              <a:t>3/23/2022</a:t>
+              <a:t>4/1/2022</a:t>
             </a:fld>
             <a:endParaRPr lang="en-US"/>
           </a:p>
@@ -2407,7 +2407,7 @@
           <a:p>
             <a:fld id="{B3EBB31A-3BFC-4298-B676-185EAAB29D4B}" type="datetimeFigureOut">
               <a:rPr lang="en-US" smtClean="0"/>
-              <a:t>3/23/2022</a:t>
+              <a:t>4/1/2022</a:t>
             </a:fld>
             <a:endParaRPr lang="en-US"/>
           </a:p>
@@ -2520,7 +2520,7 @@
           <a:p>
             <a:fld id="{B3EBB31A-3BFC-4298-B676-185EAAB29D4B}" type="datetimeFigureOut">
               <a:rPr lang="en-US" smtClean="0"/>
-              <a:t>3/23/2022</a:t>
+              <a:t>4/1/2022</a:t>
             </a:fld>
             <a:endParaRPr lang="en-US"/>
           </a:p>
@@ -2831,7 +2831,7 @@
           <a:p>
             <a:fld id="{B3EBB31A-3BFC-4298-B676-185EAAB29D4B}" type="datetimeFigureOut">
               <a:rPr lang="en-US" smtClean="0"/>
-              <a:t>3/23/2022</a:t>
+              <a:t>4/1/2022</a:t>
             </a:fld>
             <a:endParaRPr lang="en-US"/>
           </a:p>
@@ -3119,7 +3119,7 @@
           <a:p>
             <a:fld id="{B3EBB31A-3BFC-4298-B676-185EAAB29D4B}" type="datetimeFigureOut">
               <a:rPr lang="en-US" smtClean="0"/>
-              <a:t>3/23/2022</a:t>
+              <a:t>4/1/2022</a:t>
             </a:fld>
             <a:endParaRPr lang="en-US"/>
           </a:p>
@@ -3360,7 +3360,7 @@
           <a:p>
             <a:fld id="{B3EBB31A-3BFC-4298-B676-185EAAB29D4B}" type="datetimeFigureOut">
               <a:rPr lang="en-US" smtClean="0"/>
-              <a:t>3/23/2022</a:t>
+              <a:t>4/1/2022</a:t>
             </a:fld>
             <a:endParaRPr lang="en-US"/>
           </a:p>
@@ -3899,8 +3899,8 @@
           </a:p>
         </p:txBody>
       </p:sp>
-      <mc:AlternateContent xmlns:mc="http://schemas.openxmlformats.org/markup-compatibility/2006">
-        <mc:Choice xmlns:a14="http://schemas.microsoft.com/office/drawing/2010/main" Requires="a14">
+      <mc:AlternateContent xmlns:mc="http://schemas.openxmlformats.org/markup-compatibility/2006" xmlns:a14="http://schemas.microsoft.com/office/drawing/2010/main">
+        <mc:Choice Requires="a14">
           <p:sp>
             <p:nvSpPr>
               <p:cNvPr id="3" name="Content Placeholder 2">
@@ -4066,7 +4066,7 @@
             </p:txBody>
           </p:sp>
         </mc:Choice>
-        <mc:Fallback>
+        <mc:Fallback xmlns="">
           <p:sp>
             <p:nvSpPr>
               <p:cNvPr id="3" name="Content Placeholder 2">
@@ -5324,7 +5324,7 @@
         </p:nvCxnSpPr>
         <p:spPr>
           <a:xfrm>
-            <a:off x="4754881" y="5278001"/>
+            <a:off x="4822928" y="5317343"/>
             <a:ext cx="93566" cy="591170"/>
           </a:xfrm>
           <a:prstGeom prst="line">
@@ -5367,7 +5367,7 @@
         </p:nvCxnSpPr>
         <p:spPr>
           <a:xfrm>
-            <a:off x="5460883" y="5220586"/>
+            <a:off x="5494906" y="5290760"/>
             <a:ext cx="93566" cy="591170"/>
           </a:xfrm>
           <a:prstGeom prst="line">
@@ -6189,181 +6189,251 @@
           </a:fontRef>
         </p:style>
       </p:cxnSp>
-      <p:sp>
-        <p:nvSpPr>
-          <p:cNvPr id="82" name="Oval 81">
-            <a:extLst>
-              <a:ext uri="{FF2B5EF4-FFF2-40B4-BE49-F238E27FC236}">
-                <a16:creationId xmlns:a16="http://schemas.microsoft.com/office/drawing/2014/main" id="{6A30BD93-AE2A-436A-84F1-9B1B3A2E7F17}"/>
-              </a:ext>
-            </a:extLst>
-          </p:cNvPr>
-          <p:cNvSpPr/>
+      <p:grpSp>
+        <p:nvGrpSpPr>
+          <p:cNvPr id="4" name="Group 3">
+            <a:extLst>
+              <a:ext uri="{FF2B5EF4-FFF2-40B4-BE49-F238E27FC236}">
+                <a16:creationId xmlns:a16="http://schemas.microsoft.com/office/drawing/2014/main" id="{3EAE8CE4-6F9E-4A20-BA66-B89CCF701800}"/>
+              </a:ext>
+            </a:extLst>
+          </p:cNvPr>
+          <p:cNvGrpSpPr/>
           <p:nvPr/>
-        </p:nvSpPr>
-        <p:spPr>
+        </p:nvGrpSpPr>
+        <p:grpSpPr>
           <a:xfrm>
-            <a:off x="9160304" y="1403585"/>
-            <a:ext cx="338647" cy="338647"/>
+            <a:off x="8691053" y="2517790"/>
+            <a:ext cx="2813728" cy="2254102"/>
+            <a:chOff x="8540072" y="2517790"/>
+            <a:chExt cx="2813728" cy="2254102"/>
           </a:xfrm>
-          <a:prstGeom prst="ellipse">
-            <a:avLst/>
-          </a:prstGeom>
-          <a:solidFill>
-            <a:srgbClr val="FFC000"/>
-          </a:solidFill>
-          <a:ln>
+        </p:grpSpPr>
+        <p:sp>
+          <p:nvSpPr>
+            <p:cNvPr id="82" name="Oval 81">
+              <a:extLst>
+                <a:ext uri="{FF2B5EF4-FFF2-40B4-BE49-F238E27FC236}">
+                  <a16:creationId xmlns:a16="http://schemas.microsoft.com/office/drawing/2014/main" id="{6A30BD93-AE2A-436A-84F1-9B1B3A2E7F17}"/>
+                </a:ext>
+              </a:extLst>
+            </p:cNvPr>
+            <p:cNvSpPr/>
+            <p:nvPr/>
+          </p:nvSpPr>
+          <p:spPr>
+            <a:xfrm>
+              <a:off x="8747761" y="2873182"/>
+              <a:ext cx="338647" cy="338647"/>
+            </a:xfrm>
+            <a:prstGeom prst="ellipse">
+              <a:avLst/>
+            </a:prstGeom>
+            <a:solidFill>
+              <a:srgbClr val="FFC000"/>
+            </a:solidFill>
+            <a:ln>
+              <a:noFill/>
+            </a:ln>
+          </p:spPr>
+          <p:style>
+            <a:lnRef idx="2">
+              <a:schemeClr val="accent1">
+                <a:shade val="50000"/>
+              </a:schemeClr>
+            </a:lnRef>
+            <a:fillRef idx="1">
+              <a:schemeClr val="accent1"/>
+            </a:fillRef>
+            <a:effectRef idx="0">
+              <a:schemeClr val="accent1"/>
+            </a:effectRef>
+            <a:fontRef idx="minor">
+              <a:schemeClr val="lt1"/>
+            </a:fontRef>
+          </p:style>
+          <p:txBody>
+            <a:bodyPr rtlCol="0" anchor="ctr"/>
+            <a:lstStyle/>
+            <a:p>
+              <a:pPr algn="ctr"/>
+              <a:endParaRPr lang="en-US"/>
+            </a:p>
+          </p:txBody>
+        </p:sp>
+        <p:sp>
+          <p:nvSpPr>
+            <p:cNvPr id="83" name="Oval 82">
+              <a:extLst>
+                <a:ext uri="{FF2B5EF4-FFF2-40B4-BE49-F238E27FC236}">
+                  <a16:creationId xmlns:a16="http://schemas.microsoft.com/office/drawing/2014/main" id="{24A0B299-638E-44AA-BB93-8B80C89E9CAC}"/>
+                </a:ext>
+              </a:extLst>
+            </p:cNvPr>
+            <p:cNvSpPr/>
+            <p:nvPr/>
+          </p:nvSpPr>
+          <p:spPr>
+            <a:xfrm>
+              <a:off x="8762024" y="3842307"/>
+              <a:ext cx="338647" cy="338647"/>
+            </a:xfrm>
+            <a:prstGeom prst="ellipse">
+              <a:avLst/>
+            </a:prstGeom>
+          </p:spPr>
+          <p:style>
+            <a:lnRef idx="2">
+              <a:schemeClr val="accent1">
+                <a:shade val="50000"/>
+              </a:schemeClr>
+            </a:lnRef>
+            <a:fillRef idx="1">
+              <a:schemeClr val="accent1"/>
+            </a:fillRef>
+            <a:effectRef idx="0">
+              <a:schemeClr val="accent1"/>
+            </a:effectRef>
+            <a:fontRef idx="minor">
+              <a:schemeClr val="lt1"/>
+            </a:fontRef>
+          </p:style>
+          <p:txBody>
+            <a:bodyPr rtlCol="0" anchor="ctr"/>
+            <a:lstStyle/>
+            <a:p>
+              <a:pPr algn="ctr"/>
+              <a:endParaRPr lang="en-US"/>
+            </a:p>
+          </p:txBody>
+        </p:sp>
+        <p:sp>
+          <p:nvSpPr>
+            <p:cNvPr id="84" name="TextBox 83">
+              <a:extLst>
+                <a:ext uri="{FF2B5EF4-FFF2-40B4-BE49-F238E27FC236}">
+                  <a16:creationId xmlns:a16="http://schemas.microsoft.com/office/drawing/2014/main" id="{A3CBADB7-F09F-438D-A92D-B8F61FEAF1EC}"/>
+                </a:ext>
+              </a:extLst>
+            </p:cNvPr>
+            <p:cNvSpPr txBox="1"/>
+            <p:nvPr/>
+          </p:nvSpPr>
+          <p:spPr>
+            <a:xfrm>
+              <a:off x="9152506" y="2680829"/>
+              <a:ext cx="2201294" cy="646331"/>
+            </a:xfrm>
+            <a:prstGeom prst="rect">
+              <a:avLst/>
+            </a:prstGeom>
             <a:noFill/>
-          </a:ln>
-        </p:spPr>
-        <p:style>
-          <a:lnRef idx="2">
-            <a:schemeClr val="accent1">
-              <a:shade val="50000"/>
-            </a:schemeClr>
-          </a:lnRef>
-          <a:fillRef idx="1">
-            <a:schemeClr val="accent1"/>
-          </a:fillRef>
-          <a:effectRef idx="0">
-            <a:schemeClr val="accent1"/>
-          </a:effectRef>
-          <a:fontRef idx="minor">
-            <a:schemeClr val="lt1"/>
-          </a:fontRef>
-        </p:style>
-        <p:txBody>
-          <a:bodyPr rtlCol="0" anchor="ctr"/>
-          <a:lstStyle/>
-          <a:p>
-            <a:pPr algn="ctr"/>
-            <a:endParaRPr lang="en-US"/>
-          </a:p>
-        </p:txBody>
-      </p:sp>
-      <p:sp>
-        <p:nvSpPr>
-          <p:cNvPr id="83" name="Oval 82">
-            <a:extLst>
-              <a:ext uri="{FF2B5EF4-FFF2-40B4-BE49-F238E27FC236}">
-                <a16:creationId xmlns:a16="http://schemas.microsoft.com/office/drawing/2014/main" id="{24A0B299-638E-44AA-BB93-8B80C89E9CAC}"/>
-              </a:ext>
-            </a:extLst>
-          </p:cNvPr>
-          <p:cNvSpPr/>
-          <p:nvPr/>
-        </p:nvSpPr>
-        <p:spPr>
-          <a:xfrm>
-            <a:off x="9174567" y="2619384"/>
-            <a:ext cx="338647" cy="338647"/>
-          </a:xfrm>
-          <a:prstGeom prst="ellipse">
-            <a:avLst/>
-          </a:prstGeom>
-        </p:spPr>
-        <p:style>
-          <a:lnRef idx="2">
-            <a:schemeClr val="accent1">
-              <a:shade val="50000"/>
-            </a:schemeClr>
-          </a:lnRef>
-          <a:fillRef idx="1">
-            <a:schemeClr val="accent1"/>
-          </a:fillRef>
-          <a:effectRef idx="0">
-            <a:schemeClr val="accent1"/>
-          </a:effectRef>
-          <a:fontRef idx="minor">
-            <a:schemeClr val="lt1"/>
-          </a:fontRef>
-        </p:style>
-        <p:txBody>
-          <a:bodyPr rtlCol="0" anchor="ctr"/>
-          <a:lstStyle/>
-          <a:p>
-            <a:pPr algn="ctr"/>
-            <a:endParaRPr lang="en-US"/>
-          </a:p>
-        </p:txBody>
-      </p:sp>
-      <p:sp>
-        <p:nvSpPr>
-          <p:cNvPr id="84" name="TextBox 83">
-            <a:extLst>
-              <a:ext uri="{FF2B5EF4-FFF2-40B4-BE49-F238E27FC236}">
-                <a16:creationId xmlns:a16="http://schemas.microsoft.com/office/drawing/2014/main" id="{A3CBADB7-F09F-438D-A92D-B8F61FEAF1EC}"/>
-              </a:ext>
-            </a:extLst>
-          </p:cNvPr>
-          <p:cNvSpPr txBox="1"/>
-          <p:nvPr/>
-        </p:nvSpPr>
-        <p:spPr>
-          <a:xfrm>
-            <a:off x="9565049" y="1211232"/>
-            <a:ext cx="2201294" cy="646331"/>
-          </a:xfrm>
-          <a:prstGeom prst="rect">
-            <a:avLst/>
-          </a:prstGeom>
-          <a:noFill/>
-        </p:spPr>
-        <p:txBody>
-          <a:bodyPr wrap="square" rtlCol="0">
-            <a:spAutoFit/>
-          </a:bodyPr>
-          <a:lstStyle/>
-          <a:p>
-            <a:r>
-              <a:rPr lang="en-US" sz="3600" dirty="0"/>
-              <a:t>Controller</a:t>
-            </a:r>
-          </a:p>
-        </p:txBody>
-      </p:sp>
-      <p:sp>
-        <p:nvSpPr>
-          <p:cNvPr id="85" name="TextBox 84">
-            <a:extLst>
-              <a:ext uri="{FF2B5EF4-FFF2-40B4-BE49-F238E27FC236}">
-                <a16:creationId xmlns:a16="http://schemas.microsoft.com/office/drawing/2014/main" id="{A7AD088B-0A52-41CE-94C4-46C3E9E02A00}"/>
-              </a:ext>
-            </a:extLst>
-          </p:cNvPr>
-          <p:cNvSpPr txBox="1"/>
-          <p:nvPr/>
-        </p:nvSpPr>
-        <p:spPr>
-          <a:xfrm>
-            <a:off x="9565049" y="2202330"/>
-            <a:ext cx="2201294" cy="1200329"/>
-          </a:xfrm>
-          <a:prstGeom prst="rect">
-            <a:avLst/>
-          </a:prstGeom>
-          <a:noFill/>
-        </p:spPr>
-        <p:txBody>
-          <a:bodyPr wrap="square" rtlCol="0">
-            <a:spAutoFit/>
-          </a:bodyPr>
-          <a:lstStyle/>
-          <a:p>
-            <a:r>
-              <a:rPr lang="en-US" sz="3600" dirty="0"/>
-              <a:t>Verifier</a:t>
-            </a:r>
-            <a:br>
-              <a:rPr lang="en-US" sz="3600" dirty="0"/>
-            </a:br>
-            <a:r>
-              <a:rPr lang="en-US" sz="3600" dirty="0"/>
-              <a:t>server</a:t>
-            </a:r>
-          </a:p>
-        </p:txBody>
-      </p:sp>
+          </p:spPr>
+          <p:txBody>
+            <a:bodyPr wrap="square" rtlCol="0">
+              <a:spAutoFit/>
+            </a:bodyPr>
+            <a:lstStyle/>
+            <a:p>
+              <a:r>
+                <a:rPr lang="en-US" sz="3600" dirty="0"/>
+                <a:t>Controller</a:t>
+              </a:r>
+            </a:p>
+          </p:txBody>
+        </p:sp>
+        <p:sp>
+          <p:nvSpPr>
+            <p:cNvPr id="85" name="TextBox 84">
+              <a:extLst>
+                <a:ext uri="{FF2B5EF4-FFF2-40B4-BE49-F238E27FC236}">
+                  <a16:creationId xmlns:a16="http://schemas.microsoft.com/office/drawing/2014/main" id="{A7AD088B-0A52-41CE-94C4-46C3E9E02A00}"/>
+                </a:ext>
+              </a:extLst>
+            </p:cNvPr>
+            <p:cNvSpPr txBox="1"/>
+            <p:nvPr/>
+          </p:nvSpPr>
+          <p:spPr>
+            <a:xfrm>
+              <a:off x="9152506" y="3425253"/>
+              <a:ext cx="2201294" cy="1200329"/>
+            </a:xfrm>
+            <a:prstGeom prst="rect">
+              <a:avLst/>
+            </a:prstGeom>
+            <a:noFill/>
+          </p:spPr>
+          <p:txBody>
+            <a:bodyPr wrap="square" rtlCol="0">
+              <a:spAutoFit/>
+            </a:bodyPr>
+            <a:lstStyle/>
+            <a:p>
+              <a:r>
+                <a:rPr lang="en-US" sz="3600" dirty="0"/>
+                <a:t>Verifier</a:t>
+              </a:r>
+              <a:br>
+                <a:rPr lang="en-US" sz="3600" dirty="0"/>
+              </a:br>
+              <a:r>
+                <a:rPr lang="en-US" sz="3600" dirty="0"/>
+                <a:t>server</a:t>
+              </a:r>
+            </a:p>
+          </p:txBody>
+        </p:sp>
+        <p:sp>
+          <p:nvSpPr>
+            <p:cNvPr id="3" name="Rectangle 2">
+              <a:extLst>
+                <a:ext uri="{FF2B5EF4-FFF2-40B4-BE49-F238E27FC236}">
+                  <a16:creationId xmlns:a16="http://schemas.microsoft.com/office/drawing/2014/main" id="{DEA9511E-B47E-4231-A465-D00AB1D1CC42}"/>
+                </a:ext>
+              </a:extLst>
+            </p:cNvPr>
+            <p:cNvSpPr/>
+            <p:nvPr/>
+          </p:nvSpPr>
+          <p:spPr>
+            <a:xfrm>
+              <a:off x="8540072" y="2517790"/>
+              <a:ext cx="2743200" cy="2254102"/>
+            </a:xfrm>
+            <a:prstGeom prst="rect">
+              <a:avLst/>
+            </a:prstGeom>
+            <a:ln w="38100">
+              <a:solidFill>
+                <a:schemeClr val="tx1"/>
+              </a:solidFill>
+            </a:ln>
+          </p:spPr>
+          <p:style>
+            <a:lnRef idx="1">
+              <a:schemeClr val="accent1"/>
+            </a:lnRef>
+            <a:fillRef idx="0">
+              <a:schemeClr val="accent1"/>
+            </a:fillRef>
+            <a:effectRef idx="0">
+              <a:schemeClr val="accent1"/>
+            </a:effectRef>
+            <a:fontRef idx="minor">
+              <a:schemeClr val="tx1"/>
+            </a:fontRef>
+          </p:style>
+          <p:txBody>
+            <a:bodyPr rtlCol="0" anchor="ctr"/>
+            <a:lstStyle/>
+            <a:p>
+              <a:pPr algn="ctr"/>
+              <a:endParaRPr lang="en-US"/>
+            </a:p>
+          </p:txBody>
+        </p:sp>
+      </p:grpSp>
     </p:spTree>
     <p:extLst>
       <p:ext uri="{BB962C8B-B14F-4D97-AF65-F5344CB8AC3E}">
